--- a/Document/开题/开题PPT.pptx
+++ b/Document/开题/开题PPT.pptx
@@ -9,15 +9,16 @@
     <p:sldId id="266" r:id="rId4"/>
     <p:sldId id="267" r:id="rId5"/>
     <p:sldId id="268" r:id="rId6"/>
-    <p:sldId id="270" r:id="rId7"/>
+    <p:sldId id="275" r:id="rId7"/>
     <p:sldId id="269" r:id="rId8"/>
-    <p:sldId id="271" r:id="rId9"/>
-    <p:sldId id="272" r:id="rId10"/>
+    <p:sldId id="270" r:id="rId9"/>
+    <p:sldId id="271" r:id="rId10"/>
+    <p:sldId id="272" r:id="rId11"/>
   </p:sldIdLst>
   <p:sldSz cx="12192000" cy="6858000"/>
   <p:notesSz cx="6858000" cy="9144000"/>
   <p:custDataLst>
-    <p:tags r:id="rId14"/>
+    <p:tags r:id="rId15"/>
   </p:custDataLst>
   <p:defaultTextStyle>
     <a:defPPr>
@@ -122,7 +123,7 @@
             <a:srgbClr val="A4A3A4"/>
           </p15:clr>
         </p15:guide>
-        <p15:guide id="2" pos="3816" userDrawn="1">
+        <p15:guide id="2" pos="3840" userDrawn="1">
           <p15:clr>
             <a:srgbClr val="A4A3A4"/>
           </p15:clr>
@@ -5752,7 +5753,7 @@
         <p:spPr>
           <a:xfrm>
             <a:off x="1485900" y="752475"/>
-            <a:ext cx="2230120" cy="831850"/>
+            <a:ext cx="3585845" cy="831850"/>
           </a:xfrm>
           <a:prstGeom prst="rect">
             <a:avLst/>
@@ -5782,22 +5783,7 @@
                 <a:cs typeface="微软雅黑" panose="020B0503020204020204" charset="-122"/>
                 <a:sym typeface="Arial" panose="020B0604020202020204" pitchFamily="34" charset="0"/>
               </a:rPr>
-              <a:t>音乐播放器</a:t>
-            </a:r>
-            <a:r>
-              <a:rPr lang="zh-CN" altLang="en-US" sz="2000" dirty="0">
-                <a:solidFill>
-                  <a:schemeClr val="tx1">
-                    <a:lumMod val="65000"/>
-                    <a:lumOff val="35000"/>
-                  </a:schemeClr>
-                </a:solidFill>
-                <a:latin typeface="Arial" panose="020B0604020202020204" pitchFamily="34" charset="0"/>
-                <a:ea typeface="微软雅黑" panose="020B0503020204020204" charset="-122"/>
-                <a:cs typeface="微软雅黑" panose="020B0503020204020204" charset="-122"/>
-                <a:sym typeface="Arial" panose="020B0604020202020204" pitchFamily="34" charset="0"/>
-              </a:rPr>
-              <a:t>部分</a:t>
+              <a:t>音乐播放器部分</a:t>
             </a:r>
             <a:endParaRPr lang="zh-CN" altLang="en-US" sz="2000" dirty="0">
               <a:solidFill>
@@ -5878,9 +5864,10 @@
             <a:noAutofit/>
           </a:bodyPr>
           <a:p>
+            <a:pPr indent="457200"/>
             <a:r>
               <a:rPr lang="zh-CN" altLang="en-US" sz="2400"/>
-              <a:t>将使用Pyside6进行GUI开发。Pyside6是Qt的Python绑定，它提供了创建GUI（图形用户界面）的工具。</a:t>
+              <a:t>使用Pyside6进行GUI开发。Pyside6是Qt的Python绑定，它提供了创建GUI（图形用户界面）的工具。</a:t>
             </a:r>
             <a:endParaRPr lang="zh-CN" altLang="en-US" sz="2400"/>
           </a:p>
@@ -5972,7 +5959,7 @@
       </p:grpSpPr>
       <p:sp>
         <p:nvSpPr>
-          <p:cNvPr id="17" name="文本框 16"/>
+          <p:cNvPr id="10" name="文本框 9"/>
           <p:cNvSpPr txBox="1"/>
           <p:nvPr>
             <p:custDataLst>
@@ -5982,8 +5969,8 @@
         </p:nvSpPr>
         <p:spPr>
           <a:xfrm>
-            <a:off x="2826385" y="1582420"/>
-            <a:ext cx="1030605" cy="829945"/>
+            <a:off x="455296" y="175895"/>
+            <a:ext cx="1851660" cy="768350"/>
           </a:xfrm>
           <a:prstGeom prst="rect">
             <a:avLst/>
@@ -5992,23 +5979,34 @@
         </p:spPr>
         <p:txBody>
           <a:bodyPr wrap="square" rtlCol="0">
-            <a:normAutofit/>
+            <a:normAutofit fontScale="40000"/>
           </a:bodyPr>
           <a:lstStyle/>
           <a:p>
-            <a:r>
-              <a:rPr lang="en-US" altLang="zh-CN" sz="4800" b="1" dirty="0">
-                <a:latin typeface="Arial" panose="020B0604020202020204" pitchFamily="34" charset="0"/>
-                <a:ea typeface="微软雅黑" panose="020B0503020204020204" charset="-122"/>
-                <a:cs typeface="Arial" panose="020B0604020202020204" pitchFamily="34" charset="0"/>
+            <a:pPr algn="r"/>
+            <a:r>
+              <a:rPr lang="zh-CN" altLang="en-US" sz="4400" b="1" spc="300" dirty="0">
+                <a:solidFill>
+                  <a:schemeClr val="tx1">
+                    <a:lumMod val="85000"/>
+                    <a:lumOff val="15000"/>
+                  </a:schemeClr>
+                </a:solidFill>
+                <a:latin typeface="Arial" panose="020B0604020202020204" pitchFamily="34" charset="0"/>
+                <a:ea typeface="微软雅黑" panose="020B0503020204020204" charset="-122"/>
                 <a:sym typeface="Arial" panose="020B0604020202020204" pitchFamily="34" charset="0"/>
               </a:rPr>
-              <a:t>01.</a:t>
-            </a:r>
-            <a:endParaRPr lang="en-US" altLang="zh-CN" sz="4800" b="1" dirty="0">
+              <a:t>技术实现方案</a:t>
+            </a:r>
+            <a:endParaRPr lang="zh-CN" altLang="en-US" sz="4400" b="1" spc="300" dirty="0">
+              <a:solidFill>
+                <a:schemeClr val="tx1">
+                  <a:lumMod val="85000"/>
+                  <a:lumOff val="15000"/>
+                </a:schemeClr>
+              </a:solidFill>
               <a:latin typeface="Arial" panose="020B0604020202020204" pitchFamily="34" charset="0"/>
               <a:ea typeface="微软雅黑" panose="020B0503020204020204" charset="-122"/>
-              <a:cs typeface="Arial" panose="020B0604020202020204" pitchFamily="34" charset="0"/>
               <a:sym typeface="Arial" panose="020B0604020202020204" pitchFamily="34" charset="0"/>
             </a:endParaRPr>
           </a:p>
@@ -6016,7 +6014,7 @@
       </p:sp>
       <p:sp>
         <p:nvSpPr>
-          <p:cNvPr id="18" name="文本框 17"/>
+          <p:cNvPr id="7" name="文本框 6"/>
           <p:cNvSpPr txBox="1"/>
           <p:nvPr>
             <p:custDataLst>
@@ -6026,8 +6024,8 @@
         </p:nvSpPr>
         <p:spPr>
           <a:xfrm>
-            <a:off x="3936365" y="1582420"/>
-            <a:ext cx="4507865" cy="831850"/>
+            <a:off x="1485900" y="752475"/>
+            <a:ext cx="3585845" cy="831850"/>
           </a:xfrm>
           <a:prstGeom prst="rect">
             <a:avLst/>
@@ -6038,7 +6036,6 @@
           <a:bodyPr wrap="square" bIns="46990" rtlCol="0" anchor="ctr" anchorCtr="0">
             <a:normAutofit/>
           </a:bodyPr>
-          <a:lstStyle/>
           <a:p>
             <a:pPr>
               <a:lnSpc>
@@ -6058,22 +6055,7 @@
                 <a:cs typeface="微软雅黑" panose="020B0503020204020204" charset="-122"/>
                 <a:sym typeface="Arial" panose="020B0604020202020204" pitchFamily="34" charset="0"/>
               </a:rPr>
-              <a:t>相似排序算法的参数选择和权重</a:t>
-            </a:r>
-            <a:r>
-              <a:rPr lang="zh-CN" altLang="en-US" sz="2000" dirty="0">
-                <a:solidFill>
-                  <a:schemeClr val="tx1">
-                    <a:lumMod val="65000"/>
-                    <a:lumOff val="35000"/>
-                  </a:schemeClr>
-                </a:solidFill>
-                <a:latin typeface="Arial" panose="020B0604020202020204" pitchFamily="34" charset="0"/>
-                <a:ea typeface="微软雅黑" panose="020B0503020204020204" charset="-122"/>
-                <a:cs typeface="微软雅黑" panose="020B0503020204020204" charset="-122"/>
-                <a:sym typeface="Arial" panose="020B0604020202020204" pitchFamily="34" charset="0"/>
-              </a:rPr>
-              <a:t>问题</a:t>
+              <a:t>音乐播放器部分</a:t>
             </a:r>
             <a:endParaRPr lang="zh-CN" altLang="en-US" sz="2000" dirty="0">
               <a:solidFill>
@@ -6092,7 +6074,7 @@
       </p:sp>
       <p:sp>
         <p:nvSpPr>
-          <p:cNvPr id="26" name="文本框 25"/>
+          <p:cNvPr id="17" name="文本框 16"/>
           <p:cNvSpPr txBox="1"/>
           <p:nvPr>
             <p:custDataLst>
@@ -6102,8 +6084,8 @@
         </p:nvSpPr>
         <p:spPr>
           <a:xfrm>
-            <a:off x="2826385" y="2994660"/>
-            <a:ext cx="1030605" cy="829945"/>
+            <a:off x="735330" y="944245"/>
+            <a:ext cx="750570" cy="530225"/>
           </a:xfrm>
           <a:prstGeom prst="rect">
             <a:avLst/>
@@ -6112,9 +6094,8 @@
         </p:spPr>
         <p:txBody>
           <a:bodyPr wrap="square" rtlCol="0">
-            <a:normAutofit/>
+            <a:normAutofit fontScale="50000"/>
           </a:bodyPr>
-          <a:lstStyle/>
           <a:p>
             <a:r>
               <a:rPr lang="en-US" altLang="zh-CN" sz="4800" b="1" dirty="0">
@@ -6123,7 +6104,7 @@
                 <a:cs typeface="Arial" panose="020B0604020202020204" pitchFamily="34" charset="0"/>
                 <a:sym typeface="Arial" panose="020B0604020202020204" pitchFamily="34" charset="0"/>
               </a:rPr>
-              <a:t>02.</a:t>
+              <a:t>01.</a:t>
             </a:r>
             <a:endParaRPr lang="en-US" altLang="zh-CN" sz="4800" b="1" dirty="0">
               <a:latin typeface="Arial" panose="020B0604020202020204" pitchFamily="34" charset="0"/>
@@ -6136,18 +6117,14 @@
       </p:sp>
       <p:sp>
         <p:nvSpPr>
-          <p:cNvPr id="27" name="文本框 26"/>
+          <p:cNvPr id="2" name="文本框 1"/>
           <p:cNvSpPr txBox="1"/>
-          <p:nvPr>
-            <p:custDataLst>
-              <p:tags r:id="rId4"/>
-            </p:custDataLst>
-          </p:nvPr>
+          <p:nvPr/>
         </p:nvSpPr>
         <p:spPr>
           <a:xfrm>
-            <a:off x="3936365" y="2994660"/>
-            <a:ext cx="4246245" cy="831600"/>
+            <a:off x="1485900" y="1584325"/>
+            <a:ext cx="9462135" cy="1543685"/>
           </a:xfrm>
           <a:prstGeom prst="rect">
             <a:avLst/>
@@ -6155,119 +6132,38 @@
           <a:noFill/>
         </p:spPr>
         <p:txBody>
-          <a:bodyPr wrap="square" bIns="46990" rtlCol="0" anchor="ctr" anchorCtr="0">
-            <a:normAutofit/>
+          <a:bodyPr wrap="square" rtlCol="0">
+            <a:noAutofit/>
           </a:bodyPr>
-          <a:lstStyle/>
-          <a:p>
-            <a:pPr>
-              <a:lnSpc>
-                <a:spcPct val="120000"/>
-              </a:lnSpc>
-            </a:pPr>
-            <a:r>
-              <a:rPr lang="zh-CN" altLang="en-US" sz="2000" dirty="0">
-                <a:solidFill>
-                  <a:schemeClr val="tx1">
-                    <a:lumMod val="65000"/>
-                    <a:lumOff val="35000"/>
-                  </a:schemeClr>
-                </a:solidFill>
-                <a:latin typeface="Arial" panose="020B0604020202020204" pitchFamily="34" charset="0"/>
-                <a:ea typeface="微软雅黑" panose="020B0503020204020204" charset="-122"/>
-                <a:cs typeface="微软雅黑" panose="020B0503020204020204" charset="-122"/>
-                <a:sym typeface="Arial" panose="020B0604020202020204" pitchFamily="34" charset="0"/>
-              </a:rPr>
-              <a:t>排序算法在应用中多线程</a:t>
-            </a:r>
-            <a:r>
-              <a:rPr lang="zh-CN" altLang="en-US" sz="2000" dirty="0">
-                <a:solidFill>
-                  <a:schemeClr val="tx1">
-                    <a:lumMod val="65000"/>
-                    <a:lumOff val="35000"/>
-                  </a:schemeClr>
-                </a:solidFill>
-                <a:latin typeface="Arial" panose="020B0604020202020204" pitchFamily="34" charset="0"/>
-                <a:ea typeface="微软雅黑" panose="020B0503020204020204" charset="-122"/>
-                <a:cs typeface="微软雅黑" panose="020B0503020204020204" charset="-122"/>
-                <a:sym typeface="Arial" panose="020B0604020202020204" pitchFamily="34" charset="0"/>
-              </a:rPr>
-              <a:t>问题</a:t>
-            </a:r>
-            <a:endParaRPr lang="zh-CN" altLang="en-US" sz="2000" dirty="0">
-              <a:solidFill>
-                <a:schemeClr val="tx1">
-                  <a:lumMod val="65000"/>
-                  <a:lumOff val="35000"/>
-                </a:schemeClr>
-              </a:solidFill>
-              <a:latin typeface="Arial" panose="020B0604020202020204" pitchFamily="34" charset="0"/>
-              <a:ea typeface="微软雅黑" panose="020B0503020204020204" charset="-122"/>
-              <a:cs typeface="微软雅黑" panose="020B0503020204020204" charset="-122"/>
-              <a:sym typeface="Arial" panose="020B0604020202020204" pitchFamily="34" charset="0"/>
-            </a:endParaRPr>
-          </a:p>
-        </p:txBody>
-      </p:sp>
-      <p:sp>
-        <p:nvSpPr>
-          <p:cNvPr id="10" name="文本框 9"/>
-          <p:cNvSpPr txBox="1"/>
-          <p:nvPr>
-            <p:custDataLst>
-              <p:tags r:id="rId5"/>
-            </p:custDataLst>
-          </p:nvPr>
-        </p:nvSpPr>
-        <p:spPr>
-          <a:xfrm>
-            <a:off x="455296" y="175895"/>
-            <a:ext cx="1851660" cy="768350"/>
-          </a:xfrm>
-          <a:prstGeom prst="rect">
-            <a:avLst/>
-          </a:prstGeom>
-          <a:noFill/>
-        </p:spPr>
-        <p:txBody>
-          <a:bodyPr wrap="square" rtlCol="0">
-            <a:normAutofit fontScale="40000"/>
-          </a:bodyPr>
-          <a:lstStyle/>
-          <a:p>
-            <a:pPr algn="r"/>
-            <a:r>
-              <a:rPr lang="zh-CN" altLang="en-US" sz="4400" b="1" spc="300" dirty="0">
-                <a:solidFill>
-                  <a:schemeClr val="tx1">
-                    <a:lumMod val="85000"/>
-                    <a:lumOff val="15000"/>
-                  </a:schemeClr>
-                </a:solidFill>
-                <a:latin typeface="Arial" panose="020B0604020202020204" pitchFamily="34" charset="0"/>
-                <a:ea typeface="微软雅黑" panose="020B0503020204020204" charset="-122"/>
-                <a:sym typeface="Arial" panose="020B0604020202020204" pitchFamily="34" charset="0"/>
-              </a:rPr>
-              <a:t>主要技术难点</a:t>
-            </a:r>
-            <a:endParaRPr lang="zh-CN" altLang="en-US" sz="4400" b="1" spc="300" dirty="0">
-              <a:solidFill>
-                <a:schemeClr val="tx1">
-                  <a:lumMod val="85000"/>
-                  <a:lumOff val="15000"/>
-                </a:schemeClr>
-              </a:solidFill>
-              <a:latin typeface="Arial" panose="020B0604020202020204" pitchFamily="34" charset="0"/>
-              <a:ea typeface="微软雅黑" panose="020B0503020204020204" charset="-122"/>
-              <a:sym typeface="Arial" panose="020B0604020202020204" pitchFamily="34" charset="0"/>
-            </a:endParaRPr>
+          <a:p>
+            <a:pPr indent="457200"/>
+            <a:r>
+              <a:rPr lang="zh-CN" altLang="en-US" sz="2400"/>
+              <a:t>实现音乐播放器的各种基本功能（播放界面、文件路径管理、专辑分类</a:t>
+            </a:r>
+            <a:r>
+              <a:rPr lang="en-US" altLang="zh-CN" sz="2400"/>
+              <a:t>(</a:t>
+            </a:r>
+            <a:r>
+              <a:rPr lang="zh-CN" altLang="en-US" sz="2400"/>
+              <a:t>使用元数据</a:t>
+            </a:r>
+            <a:r>
+              <a:rPr lang="en-US" altLang="zh-CN" sz="2400"/>
+              <a:t>)</a:t>
+            </a:r>
+            <a:r>
+              <a:rPr lang="zh-CN" altLang="en-US" sz="2400"/>
+              <a:t>、搜索、播放列表、歌曲详情、音量控制、音频输出选择、相似音乐排序功能、播放次数统计、均衡器、定时关闭等）。</a:t>
+            </a:r>
+            <a:endParaRPr lang="zh-CN" altLang="en-US" sz="2400"/>
           </a:p>
         </p:txBody>
       </p:sp>
     </p:spTree>
     <p:custDataLst>
-      <p:tags r:id="rId6"/>
+      <p:tags r:id="rId4"/>
     </p:custDataLst>
   </p:cSld>
   <p:clrMapOvr>
@@ -6541,6 +6437,385 @@
       </p:grpSpPr>
       <p:sp>
         <p:nvSpPr>
+          <p:cNvPr id="17" name="文本框 16"/>
+          <p:cNvSpPr txBox="1"/>
+          <p:nvPr>
+            <p:custDataLst>
+              <p:tags r:id="rId1"/>
+            </p:custDataLst>
+          </p:nvPr>
+        </p:nvSpPr>
+        <p:spPr>
+          <a:xfrm>
+            <a:off x="197485" y="750570"/>
+            <a:ext cx="1030605" cy="829945"/>
+          </a:xfrm>
+          <a:prstGeom prst="rect">
+            <a:avLst/>
+          </a:prstGeom>
+          <a:noFill/>
+        </p:spPr>
+        <p:txBody>
+          <a:bodyPr wrap="square" rtlCol="0">
+            <a:normAutofit/>
+          </a:bodyPr>
+          <a:lstStyle/>
+          <a:p>
+            <a:r>
+              <a:rPr lang="en-US" altLang="zh-CN" sz="4800" b="1" dirty="0">
+                <a:latin typeface="Arial" panose="020B0604020202020204" pitchFamily="34" charset="0"/>
+                <a:ea typeface="微软雅黑" panose="020B0503020204020204" charset="-122"/>
+                <a:cs typeface="Arial" panose="020B0604020202020204" pitchFamily="34" charset="0"/>
+                <a:sym typeface="Arial" panose="020B0604020202020204" pitchFamily="34" charset="0"/>
+              </a:rPr>
+              <a:t>01.</a:t>
+            </a:r>
+            <a:endParaRPr lang="en-US" altLang="zh-CN" sz="4800" b="1" dirty="0">
+              <a:latin typeface="Arial" panose="020B0604020202020204" pitchFamily="34" charset="0"/>
+              <a:ea typeface="微软雅黑" panose="020B0503020204020204" charset="-122"/>
+              <a:cs typeface="Arial" panose="020B0604020202020204" pitchFamily="34" charset="0"/>
+              <a:sym typeface="Arial" panose="020B0604020202020204" pitchFamily="34" charset="0"/>
+            </a:endParaRPr>
+          </a:p>
+        </p:txBody>
+      </p:sp>
+      <p:sp>
+        <p:nvSpPr>
+          <p:cNvPr id="18" name="文本框 17"/>
+          <p:cNvSpPr txBox="1"/>
+          <p:nvPr>
+            <p:custDataLst>
+              <p:tags r:id="rId2"/>
+            </p:custDataLst>
+          </p:nvPr>
+        </p:nvSpPr>
+        <p:spPr>
+          <a:xfrm>
+            <a:off x="1228090" y="748665"/>
+            <a:ext cx="4507865" cy="831850"/>
+          </a:xfrm>
+          <a:prstGeom prst="rect">
+            <a:avLst/>
+          </a:prstGeom>
+          <a:noFill/>
+        </p:spPr>
+        <p:txBody>
+          <a:bodyPr wrap="square" bIns="46990" rtlCol="0" anchor="ctr" anchorCtr="0">
+            <a:normAutofit/>
+          </a:bodyPr>
+          <a:lstStyle/>
+          <a:p>
+            <a:pPr>
+              <a:lnSpc>
+                <a:spcPct val="120000"/>
+              </a:lnSpc>
+            </a:pPr>
+            <a:r>
+              <a:rPr lang="zh-CN" altLang="en-US" sz="2000" dirty="0">
+                <a:solidFill>
+                  <a:schemeClr val="tx1">
+                    <a:lumMod val="65000"/>
+                    <a:lumOff val="35000"/>
+                  </a:schemeClr>
+                </a:solidFill>
+                <a:latin typeface="Arial" panose="020B0604020202020204" pitchFamily="34" charset="0"/>
+                <a:ea typeface="微软雅黑" panose="020B0503020204020204" charset="-122"/>
+                <a:cs typeface="微软雅黑" panose="020B0503020204020204" charset="-122"/>
+                <a:sym typeface="Arial" panose="020B0604020202020204" pitchFamily="34" charset="0"/>
+              </a:rPr>
+              <a:t>相似排序算法的参数选择和权重</a:t>
+            </a:r>
+            <a:r>
+              <a:rPr lang="zh-CN" altLang="en-US" sz="2000" dirty="0">
+                <a:solidFill>
+                  <a:schemeClr val="tx1">
+                    <a:lumMod val="65000"/>
+                    <a:lumOff val="35000"/>
+                  </a:schemeClr>
+                </a:solidFill>
+                <a:latin typeface="Arial" panose="020B0604020202020204" pitchFamily="34" charset="0"/>
+                <a:ea typeface="微软雅黑" panose="020B0503020204020204" charset="-122"/>
+                <a:cs typeface="微软雅黑" panose="020B0503020204020204" charset="-122"/>
+                <a:sym typeface="Arial" panose="020B0604020202020204" pitchFamily="34" charset="0"/>
+              </a:rPr>
+              <a:t>问题</a:t>
+            </a:r>
+            <a:endParaRPr lang="zh-CN" altLang="en-US" sz="2000" dirty="0">
+              <a:solidFill>
+                <a:schemeClr val="tx1">
+                  <a:lumMod val="65000"/>
+                  <a:lumOff val="35000"/>
+                </a:schemeClr>
+              </a:solidFill>
+              <a:latin typeface="Arial" panose="020B0604020202020204" pitchFamily="34" charset="0"/>
+              <a:ea typeface="微软雅黑" panose="020B0503020204020204" charset="-122"/>
+              <a:cs typeface="微软雅黑" panose="020B0503020204020204" charset="-122"/>
+              <a:sym typeface="Arial" panose="020B0604020202020204" pitchFamily="34" charset="0"/>
+            </a:endParaRPr>
+          </a:p>
+        </p:txBody>
+      </p:sp>
+      <p:sp>
+        <p:nvSpPr>
+          <p:cNvPr id="26" name="文本框 25"/>
+          <p:cNvSpPr txBox="1"/>
+          <p:nvPr>
+            <p:custDataLst>
+              <p:tags r:id="rId3"/>
+            </p:custDataLst>
+          </p:nvPr>
+        </p:nvSpPr>
+        <p:spPr>
+          <a:xfrm>
+            <a:off x="6483985" y="750570"/>
+            <a:ext cx="1030605" cy="829945"/>
+          </a:xfrm>
+          <a:prstGeom prst="rect">
+            <a:avLst/>
+          </a:prstGeom>
+          <a:noFill/>
+        </p:spPr>
+        <p:txBody>
+          <a:bodyPr wrap="square" rtlCol="0">
+            <a:normAutofit/>
+          </a:bodyPr>
+          <a:lstStyle/>
+          <a:p>
+            <a:r>
+              <a:rPr lang="en-US" altLang="zh-CN" sz="4800" b="1" dirty="0">
+                <a:latin typeface="Arial" panose="020B0604020202020204" pitchFamily="34" charset="0"/>
+                <a:ea typeface="微软雅黑" panose="020B0503020204020204" charset="-122"/>
+                <a:cs typeface="Arial" panose="020B0604020202020204" pitchFamily="34" charset="0"/>
+                <a:sym typeface="Arial" panose="020B0604020202020204" pitchFamily="34" charset="0"/>
+              </a:rPr>
+              <a:t>02.</a:t>
+            </a:r>
+            <a:endParaRPr lang="en-US" altLang="zh-CN" sz="4800" b="1" dirty="0">
+              <a:latin typeface="Arial" panose="020B0604020202020204" pitchFamily="34" charset="0"/>
+              <a:ea typeface="微软雅黑" panose="020B0503020204020204" charset="-122"/>
+              <a:cs typeface="Arial" panose="020B0604020202020204" pitchFamily="34" charset="0"/>
+              <a:sym typeface="Arial" panose="020B0604020202020204" pitchFamily="34" charset="0"/>
+            </a:endParaRPr>
+          </a:p>
+        </p:txBody>
+      </p:sp>
+      <p:sp>
+        <p:nvSpPr>
+          <p:cNvPr id="27" name="文本框 26"/>
+          <p:cNvSpPr txBox="1"/>
+          <p:nvPr>
+            <p:custDataLst>
+              <p:tags r:id="rId4"/>
+            </p:custDataLst>
+          </p:nvPr>
+        </p:nvSpPr>
+        <p:spPr>
+          <a:xfrm>
+            <a:off x="7593965" y="750570"/>
+            <a:ext cx="4246245" cy="831600"/>
+          </a:xfrm>
+          <a:prstGeom prst="rect">
+            <a:avLst/>
+          </a:prstGeom>
+          <a:noFill/>
+        </p:spPr>
+        <p:txBody>
+          <a:bodyPr wrap="square" bIns="46990" rtlCol="0" anchor="ctr" anchorCtr="0">
+            <a:normAutofit/>
+          </a:bodyPr>
+          <a:lstStyle/>
+          <a:p>
+            <a:pPr>
+              <a:lnSpc>
+                <a:spcPct val="120000"/>
+              </a:lnSpc>
+            </a:pPr>
+            <a:r>
+              <a:rPr lang="zh-CN" altLang="en-US" sz="2000" dirty="0">
+                <a:solidFill>
+                  <a:schemeClr val="tx1">
+                    <a:lumMod val="65000"/>
+                    <a:lumOff val="35000"/>
+                  </a:schemeClr>
+                </a:solidFill>
+                <a:latin typeface="Arial" panose="020B0604020202020204" pitchFamily="34" charset="0"/>
+                <a:ea typeface="微软雅黑" panose="020B0503020204020204" charset="-122"/>
+                <a:cs typeface="微软雅黑" panose="020B0503020204020204" charset="-122"/>
+                <a:sym typeface="Arial" panose="020B0604020202020204" pitchFamily="34" charset="0"/>
+              </a:rPr>
+              <a:t>排序算法在应用中多线程</a:t>
+            </a:r>
+            <a:r>
+              <a:rPr lang="zh-CN" altLang="en-US" sz="2000" dirty="0">
+                <a:solidFill>
+                  <a:schemeClr val="tx1">
+                    <a:lumMod val="65000"/>
+                    <a:lumOff val="35000"/>
+                  </a:schemeClr>
+                </a:solidFill>
+                <a:latin typeface="Arial" panose="020B0604020202020204" pitchFamily="34" charset="0"/>
+                <a:ea typeface="微软雅黑" panose="020B0503020204020204" charset="-122"/>
+                <a:cs typeface="微软雅黑" panose="020B0503020204020204" charset="-122"/>
+                <a:sym typeface="Arial" panose="020B0604020202020204" pitchFamily="34" charset="0"/>
+              </a:rPr>
+              <a:t>问题</a:t>
+            </a:r>
+            <a:endParaRPr lang="zh-CN" altLang="en-US" sz="2000" dirty="0">
+              <a:solidFill>
+                <a:schemeClr val="tx1">
+                  <a:lumMod val="65000"/>
+                  <a:lumOff val="35000"/>
+                </a:schemeClr>
+              </a:solidFill>
+              <a:latin typeface="Arial" panose="020B0604020202020204" pitchFamily="34" charset="0"/>
+              <a:ea typeface="微软雅黑" panose="020B0503020204020204" charset="-122"/>
+              <a:cs typeface="微软雅黑" panose="020B0503020204020204" charset="-122"/>
+              <a:sym typeface="Arial" panose="020B0604020202020204" pitchFamily="34" charset="0"/>
+            </a:endParaRPr>
+          </a:p>
+        </p:txBody>
+      </p:sp>
+      <p:sp>
+        <p:nvSpPr>
+          <p:cNvPr id="10" name="文本框 9"/>
+          <p:cNvSpPr txBox="1"/>
+          <p:nvPr>
+            <p:custDataLst>
+              <p:tags r:id="rId5"/>
+            </p:custDataLst>
+          </p:nvPr>
+        </p:nvSpPr>
+        <p:spPr>
+          <a:xfrm>
+            <a:off x="455296" y="175895"/>
+            <a:ext cx="1851660" cy="768350"/>
+          </a:xfrm>
+          <a:prstGeom prst="rect">
+            <a:avLst/>
+          </a:prstGeom>
+          <a:noFill/>
+        </p:spPr>
+        <p:txBody>
+          <a:bodyPr wrap="square" rtlCol="0">
+            <a:normAutofit fontScale="40000"/>
+          </a:bodyPr>
+          <a:lstStyle/>
+          <a:p>
+            <a:pPr algn="r"/>
+            <a:r>
+              <a:rPr lang="zh-CN" altLang="en-US" sz="4400" b="1" spc="300" dirty="0">
+                <a:solidFill>
+                  <a:schemeClr val="tx1">
+                    <a:lumMod val="85000"/>
+                    <a:lumOff val="15000"/>
+                  </a:schemeClr>
+                </a:solidFill>
+                <a:latin typeface="Arial" panose="020B0604020202020204" pitchFamily="34" charset="0"/>
+                <a:ea typeface="微软雅黑" panose="020B0503020204020204" charset="-122"/>
+                <a:sym typeface="Arial" panose="020B0604020202020204" pitchFamily="34" charset="0"/>
+              </a:rPr>
+              <a:t>主要技术难点</a:t>
+            </a:r>
+            <a:endParaRPr lang="zh-CN" altLang="en-US" sz="4400" b="1" spc="300" dirty="0">
+              <a:solidFill>
+                <a:schemeClr val="tx1">
+                  <a:lumMod val="85000"/>
+                  <a:lumOff val="15000"/>
+                </a:schemeClr>
+              </a:solidFill>
+              <a:latin typeface="Arial" panose="020B0604020202020204" pitchFamily="34" charset="0"/>
+              <a:ea typeface="微软雅黑" panose="020B0503020204020204" charset="-122"/>
+              <a:sym typeface="Arial" panose="020B0604020202020204" pitchFamily="34" charset="0"/>
+            </a:endParaRPr>
+          </a:p>
+        </p:txBody>
+      </p:sp>
+      <p:pic>
+        <p:nvPicPr>
+          <p:cNvPr id="2" name="图片 1"/>
+          <p:cNvPicPr>
+            <a:picLocks noChangeAspect="1"/>
+          </p:cNvPicPr>
+          <p:nvPr>
+            <p:custDataLst>
+              <p:tags r:id="rId6"/>
+            </p:custDataLst>
+          </p:nvPr>
+        </p:nvPicPr>
+        <p:blipFill>
+          <a:blip r:embed="rId7"/>
+          <a:stretch>
+            <a:fillRect/>
+          </a:stretch>
+        </p:blipFill>
+        <p:spPr>
+          <a:xfrm>
+            <a:off x="0" y="1778000"/>
+            <a:ext cx="6504940" cy="3584575"/>
+          </a:xfrm>
+          <a:prstGeom prst="rect">
+            <a:avLst/>
+          </a:prstGeom>
+        </p:spPr>
+      </p:pic>
+      <p:pic>
+        <p:nvPicPr>
+          <p:cNvPr id="4" name="图片 3"/>
+          <p:cNvPicPr>
+            <a:picLocks noChangeAspect="1"/>
+          </p:cNvPicPr>
+          <p:nvPr>
+            <p:custDataLst>
+              <p:tags r:id="rId8"/>
+            </p:custDataLst>
+          </p:nvPr>
+        </p:nvPicPr>
+        <p:blipFill>
+          <a:blip r:embed="rId9"/>
+          <a:stretch>
+            <a:fillRect/>
+          </a:stretch>
+        </p:blipFill>
+        <p:spPr>
+          <a:xfrm>
+            <a:off x="6483985" y="2555875"/>
+            <a:ext cx="8258175" cy="2028825"/>
+          </a:xfrm>
+          <a:prstGeom prst="rect">
+            <a:avLst/>
+          </a:prstGeom>
+        </p:spPr>
+      </p:pic>
+    </p:spTree>
+    <p:custDataLst>
+      <p:tags r:id="rId10"/>
+    </p:custDataLst>
+  </p:cSld>
+  <p:clrMapOvr>
+    <a:masterClrMapping/>
+  </p:clrMapOvr>
+</p:sld>
+</file>
+
+<file path=ppt/slides/slide8.xml><?xml version="1.0" encoding="utf-8"?>
+<p:sld xmlns:a="http://schemas.openxmlformats.org/drawingml/2006/main" xmlns:r="http://schemas.openxmlformats.org/officeDocument/2006/relationships" xmlns:p="http://schemas.openxmlformats.org/presentationml/2006/main">
+  <p:cSld>
+    <p:spTree>
+      <p:nvGrpSpPr>
+        <p:cNvPr id="1" name=""/>
+        <p:cNvGrpSpPr/>
+        <p:nvPr/>
+      </p:nvGrpSpPr>
+      <p:grpSpPr>
+        <a:xfrm>
+          <a:off x="0" y="0"/>
+          <a:ext cx="0" cy="0"/>
+          <a:chOff x="0" y="0"/>
+          <a:chExt cx="0" cy="0"/>
+        </a:xfrm>
+      </p:grpSpPr>
+      <p:sp>
+        <p:nvSpPr>
           <p:cNvPr id="18" name="文本框 17"/>
           <p:cNvSpPr txBox="1"/>
           <p:nvPr>
@@ -7175,7 +7450,7 @@
 </p:sld>
 </file>
 
-<file path=ppt/slides/slide8.xml><?xml version="1.0" encoding="utf-8"?>
+<file path=ppt/slides/slide9.xml><?xml version="1.0" encoding="utf-8"?>
 <p:sld xmlns:a="http://schemas.openxmlformats.org/drawingml/2006/main" xmlns:r="http://schemas.openxmlformats.org/officeDocument/2006/relationships" xmlns:p="http://schemas.openxmlformats.org/presentationml/2006/main">
   <p:cSld>
     <p:spTree>
@@ -7286,6 +7561,113 @@
 
 <file path=ppt/tags/tag100.xml><?xml version="1.0" encoding="utf-8"?>
 <p:tagLst xmlns:p="http://schemas.openxmlformats.org/presentationml/2006/main">
+  <p:tag name="KSO_WM_UNIT_HIGHLIGHT" val="0"/>
+  <p:tag name="KSO_WM_UNIT_COMPATIBLE" val="0"/>
+  <p:tag name="KSO_WM_UNIT_DIAGRAM_ISNUMVISUAL" val="0"/>
+  <p:tag name="KSO_WM_UNIT_DIAGRAM_ISREFERUNIT" val="0"/>
+  <p:tag name="KSO_WM_DIAGRAM_GROUP_CODE" val="l1-1"/>
+  <p:tag name="KSO_WM_UNIT_TYPE" val="l_h_i"/>
+  <p:tag name="KSO_WM_UNIT_INDEX" val="1_2_1"/>
+  <p:tag name="KSO_WM_UNIT_ID" val="custom20205081_2*l_h_i*1_2_1"/>
+  <p:tag name="KSO_WM_TEMPLATE_CATEGORY" val="custom"/>
+  <p:tag name="KSO_WM_TEMPLATE_INDEX" val="20205081"/>
+  <p:tag name="KSO_WM_UNIT_LAYERLEVEL" val="1_1_1"/>
+  <p:tag name="KSO_WM_TAG_VERSION" val="1.0"/>
+  <p:tag name="KSO_WM_BEAUTIFY_FLAG" val="#wm#"/>
+  <p:tag name="KSO_WM_UNIT_TEXT_FILL_FORE_SCHEMECOLOR_INDEX" val="13"/>
+  <p:tag name="KSO_WM_UNIT_TEXT_FILL_TYPE" val="1"/>
+  <p:tag name="KSO_WM_UNIT_USESOURCEFORMAT_APPLY" val="1"/>
+</p:tagLst>
+</file>
+
+<file path=ppt/tags/tag101.xml><?xml version="1.0" encoding="utf-8"?>
+<p:tagLst xmlns:p="http://schemas.openxmlformats.org/presentationml/2006/main">
+  <p:tag name="KSO_WM_UNIT_ISCONTENTSTITLE" val="0"/>
+  <p:tag name="KSO_WM_UNIT_PRESET_TEXT" val="单击输入章节标题......"/>
+  <p:tag name="KSO_WM_UNIT_NOCLEAR" val="0"/>
+  <p:tag name="KSO_WM_UNIT_VALUE" val="15"/>
+  <p:tag name="KSO_WM_UNIT_HIGHLIGHT" val="0"/>
+  <p:tag name="KSO_WM_UNIT_COMPATIBLE" val="0"/>
+  <p:tag name="KSO_WM_UNIT_DIAGRAM_ISNUMVISUAL" val="0"/>
+  <p:tag name="KSO_WM_UNIT_DIAGRAM_ISREFERUNIT" val="0"/>
+  <p:tag name="KSO_WM_DIAGRAM_GROUP_CODE" val="l1-1"/>
+  <p:tag name="KSO_WM_UNIT_TYPE" val="l_h_f"/>
+  <p:tag name="KSO_WM_UNIT_INDEX" val="1_2_1"/>
+  <p:tag name="KSO_WM_UNIT_ID" val="custom20205081_2*l_h_f*1_2_1"/>
+  <p:tag name="KSO_WM_TEMPLATE_CATEGORY" val="custom"/>
+  <p:tag name="KSO_WM_TEMPLATE_INDEX" val="20205081"/>
+  <p:tag name="KSO_WM_UNIT_LAYERLEVEL" val="1_1_1"/>
+  <p:tag name="KSO_WM_TAG_VERSION" val="1.0"/>
+  <p:tag name="KSO_WM_BEAUTIFY_FLAG" val="#wm#"/>
+  <p:tag name="KSO_WM_UNIT_SHOW_EDIT_AREA_INDICATION" val="1"/>
+  <p:tag name="KSO_WM_UNIT_TEXT_FILL_FORE_SCHEMECOLOR_INDEX" val="13"/>
+  <p:tag name="KSO_WM_UNIT_TEXT_FILL_TYPE" val="1"/>
+  <p:tag name="KSO_WM_UNIT_USESOURCEFORMAT_APPLY" val="1"/>
+</p:tagLst>
+</file>
+
+<file path=ppt/tags/tag102.xml><?xml version="1.0" encoding="utf-8"?>
+<p:tagLst xmlns:p="http://schemas.openxmlformats.org/presentationml/2006/main">
+  <p:tag name="KSO_WM_UNIT_ISCONTENTSTITLE" val="1"/>
+  <p:tag name="KSO_WM_UNIT_PRESET_TEXT" val="目录"/>
+  <p:tag name="KSO_WM_UNIT_NOCLEAR" val="1"/>
+  <p:tag name="KSO_WM_UNIT_VALUE" val="2"/>
+  <p:tag name="KSO_WM_UNIT_HIGHLIGHT" val="0"/>
+  <p:tag name="KSO_WM_UNIT_COMPATIBLE" val="0"/>
+  <p:tag name="KSO_WM_UNIT_DIAGRAM_ISNUMVISUAL" val="0"/>
+  <p:tag name="KSO_WM_UNIT_DIAGRAM_ISREFERUNIT" val="0"/>
+  <p:tag name="KSO_WM_DIAGRAM_GROUP_CODE" val="l1-1"/>
+  <p:tag name="KSO_WM_UNIT_TYPE" val="a"/>
+  <p:tag name="KSO_WM_UNIT_INDEX" val="1"/>
+  <p:tag name="KSO_WM_UNIT_ID" val="custom20205081_2*a*1"/>
+  <p:tag name="KSO_WM_TEMPLATE_CATEGORY" val="custom"/>
+  <p:tag name="KSO_WM_TEMPLATE_INDEX" val="20205081"/>
+  <p:tag name="KSO_WM_UNIT_LAYERLEVEL" val="1"/>
+  <p:tag name="KSO_WM_TAG_VERSION" val="1.0"/>
+  <p:tag name="KSO_WM_BEAUTIFY_FLAG" val="#wm#"/>
+  <p:tag name="KSO_WM_UNIT_ISNUMDGMTITLE" val="0"/>
+  <p:tag name="KSO_WM_UNIT_TEXT_FILL_FORE_SCHEMECOLOR_INDEX" val="13"/>
+  <p:tag name="KSO_WM_UNIT_TEXT_FILL_TYPE" val="1"/>
+  <p:tag name="KSO_WM_UNIT_USESOURCEFORMAT_APPLY" val="1"/>
+</p:tagLst>
+</file>
+
+<file path=ppt/tags/tag103.xml><?xml version="1.0" encoding="utf-8"?>
+<p:tagLst xmlns:p="http://schemas.openxmlformats.org/presentationml/2006/main">
+  <p:tag name="KSO_WM_BEAUTIFY_FLAG" val=""/>
+</p:tagLst>
+</file>
+
+<file path=ppt/tags/tag104.xml><?xml version="1.0" encoding="utf-8"?>
+<p:tagLst xmlns:p="http://schemas.openxmlformats.org/presentationml/2006/main">
+  <p:tag name="KSO_WM_BEAUTIFY_FLAG" val=""/>
+</p:tagLst>
+</file>
+
+<file path=ppt/tags/tag105.xml><?xml version="1.0" encoding="utf-8"?>
+<p:tagLst xmlns:p="http://schemas.openxmlformats.org/presentationml/2006/main">
+  <p:tag name="KSO_WM_SLIDE_ID" val="custom20205081_2"/>
+  <p:tag name="KSO_WM_TEMPLATE_SUBCATEGORY" val="19"/>
+  <p:tag name="KSO_WM_TEMPLATE_MASTER_TYPE" val="0"/>
+  <p:tag name="KSO_WM_TEMPLATE_COLOR_TYPE" val="1"/>
+  <p:tag name="KSO_WM_SLIDE_TYPE" val="contents"/>
+  <p:tag name="KSO_WM_SLIDE_SUBTYPE" val="diag"/>
+  <p:tag name="KSO_WM_SLIDE_ITEM_CNT" val="2"/>
+  <p:tag name="KSO_WM_SLIDE_INDEX" val="2"/>
+  <p:tag name="KSO_WM_DIAGRAM_GROUP_CODE" val="l1-1"/>
+  <p:tag name="KSO_WM_SLIDE_DIAGTYPE" val="l"/>
+  <p:tag name="KSO_WM_TAG_VERSION" val="1.0"/>
+  <p:tag name="KSO_WM_BEAUTIFY_FLAG" val="#wm#"/>
+  <p:tag name="KSO_WM_TEMPLATE_CATEGORY" val="custom"/>
+  <p:tag name="KSO_WM_TEMPLATE_INDEX" val="20205081"/>
+  <p:tag name="KSO_WM_SLIDE_LAYOUT" val="a_b_l"/>
+  <p:tag name="KSO_WM_SLIDE_LAYOUT_CNT" val="1_1_1"/>
+  <p:tag name="KSO_WM_UNIT_SHOW_EDIT_AREA_INDICATION" val="1"/>
+</p:tagLst>
+</file>
+
+<file path=ppt/tags/tag106.xml><?xml version="1.0" encoding="utf-8"?>
+<p:tagLst xmlns:p="http://schemas.openxmlformats.org/presentationml/2006/main">
   <p:tag name="KSO_WM_UNIT_ISCONTENTSTITLE" val="0"/>
   <p:tag name="KSO_WM_UNIT_PRESET_TEXT" val="单击输入章节标题......"/>
   <p:tag name="KSO_WM_UNIT_NOCLEAR" val="0"/>
@@ -7310,7 +7692,7 @@
 </p:tagLst>
 </file>
 
-<file path=ppt/tags/tag101.xml><?xml version="1.0" encoding="utf-8"?>
+<file path=ppt/tags/tag107.xml><?xml version="1.0" encoding="utf-8"?>
 <p:tagLst xmlns:p="http://schemas.openxmlformats.org/presentationml/2006/main">
   <p:tag name="KSO_WM_UNIT_ISCONTENTSTITLE" val="1"/>
   <p:tag name="KSO_WM_UNIT_PRESET_TEXT" val="目录"/>
@@ -7336,7 +7718,7 @@
 </p:tagLst>
 </file>
 
-<file path=ppt/tags/tag102.xml><?xml version="1.0" encoding="utf-8"?>
+<file path=ppt/tags/tag108.xml><?xml version="1.0" encoding="utf-8"?>
 <p:tagLst xmlns:p="http://schemas.openxmlformats.org/presentationml/2006/main">
   <p:tag name="KSO_WM_SLIDE_ID" val="custom20205081_2"/>
   <p:tag name="KSO_WM_TEMPLATE_SUBCATEGORY" val="19"/>
@@ -7358,7 +7740,7 @@
 </p:tagLst>
 </file>
 
-<file path=ppt/tags/tag103.xml><?xml version="1.0" encoding="utf-8"?>
+<file path=ppt/tags/tag109.xml><?xml version="1.0" encoding="utf-8"?>
 <p:tagLst xmlns:p="http://schemas.openxmlformats.org/presentationml/2006/main">
   <p:tag name="KSO_WM_UNIT_ISCONTENTSTITLE" val="1"/>
   <p:tag name="KSO_WM_UNIT_PRESET_TEXT" val="目录"/>
@@ -7384,7 +7766,20 @@
 </p:tagLst>
 </file>
 
-<file path=ppt/tags/tag104.xml><?xml version="1.0" encoding="utf-8"?>
+<file path=ppt/tags/tag11.xml><?xml version="1.0" encoding="utf-8"?>
+<p:tagLst xmlns:p="http://schemas.openxmlformats.org/presentationml/2006/main">
+  <p:tag name="KSO_WM_UNIT_HIGHLIGHT" val="0"/>
+  <p:tag name="KSO_WM_UNIT_COMPATIBLE" val="0"/>
+  <p:tag name="KSO_WM_UNIT_DIAGRAM_ISNUMVISUAL" val="0"/>
+  <p:tag name="KSO_WM_UNIT_DIAGRAM_ISREFERUNIT" val="0"/>
+  <p:tag name="KSO_WM_UNIT_ID" val="_3**"/>
+  <p:tag name="KSO_WM_UNIT_LAYERLEVEL" val="1"/>
+  <p:tag name="KSO_WM_TAG_VERSION" val="1.0"/>
+  <p:tag name="KSO_WM_BEAUTIFY_FLAG" val="#wm#"/>
+</p:tagLst>
+</file>
+
+<file path=ppt/tags/tag110.xml><?xml version="1.0" encoding="utf-8"?>
 <p:tagLst xmlns:p="http://schemas.openxmlformats.org/presentationml/2006/main">
   <p:tag name="KSO_WM_SLIDE_ID" val="custom20205081_2"/>
   <p:tag name="KSO_WM_TEMPLATE_SUBCATEGORY" val="19"/>
@@ -7406,22 +7801,9 @@
 </p:tagLst>
 </file>
 
-<file path=ppt/tags/tag105.xml><?xml version="1.0" encoding="utf-8"?>
+<file path=ppt/tags/tag111.xml><?xml version="1.0" encoding="utf-8"?>
 <p:tagLst xmlns:p="http://schemas.openxmlformats.org/presentationml/2006/main">
   <p:tag name="commondata" val="eyJoZGlkIjoiYWU3ODViNTE3ZDY2YjQ3OThiMTNjZjg3YTc4Nzg0NDAifQ=="/>
-</p:tagLst>
-</file>
-
-<file path=ppt/tags/tag11.xml><?xml version="1.0" encoding="utf-8"?>
-<p:tagLst xmlns:p="http://schemas.openxmlformats.org/presentationml/2006/main">
-  <p:tag name="KSO_WM_UNIT_HIGHLIGHT" val="0"/>
-  <p:tag name="KSO_WM_UNIT_COMPATIBLE" val="0"/>
-  <p:tag name="KSO_WM_UNIT_DIAGRAM_ISNUMVISUAL" val="0"/>
-  <p:tag name="KSO_WM_UNIT_DIAGRAM_ISREFERUNIT" val="0"/>
-  <p:tag name="KSO_WM_UNIT_ID" val="_3**"/>
-  <p:tag name="KSO_WM_UNIT_LAYERLEVEL" val="1"/>
-  <p:tag name="KSO_WM_TAG_VERSION" val="1.0"/>
-  <p:tag name="KSO_WM_BEAUTIFY_FLAG" val="#wm#"/>
 </p:tagLst>
 </file>
 
@@ -8775,19 +9157,24 @@
 
 <file path=ppt/tags/tag90.xml><?xml version="1.0" encoding="utf-8"?>
 <p:tagLst xmlns:p="http://schemas.openxmlformats.org/presentationml/2006/main">
+  <p:tag name="KSO_WM_UNIT_ISCONTENTSTITLE" val="1"/>
+  <p:tag name="KSO_WM_UNIT_PRESET_TEXT" val="目录"/>
+  <p:tag name="KSO_WM_UNIT_NOCLEAR" val="1"/>
+  <p:tag name="KSO_WM_UNIT_VALUE" val="2"/>
   <p:tag name="KSO_WM_UNIT_HIGHLIGHT" val="0"/>
   <p:tag name="KSO_WM_UNIT_COMPATIBLE" val="0"/>
   <p:tag name="KSO_WM_UNIT_DIAGRAM_ISNUMVISUAL" val="0"/>
   <p:tag name="KSO_WM_UNIT_DIAGRAM_ISREFERUNIT" val="0"/>
   <p:tag name="KSO_WM_DIAGRAM_GROUP_CODE" val="l1-1"/>
-  <p:tag name="KSO_WM_UNIT_TYPE" val="l_h_i"/>
-  <p:tag name="KSO_WM_UNIT_INDEX" val="1_1_1"/>
-  <p:tag name="KSO_WM_UNIT_ID" val="custom20205081_2*l_h_i*1_1_1"/>
+  <p:tag name="KSO_WM_UNIT_TYPE" val="a"/>
+  <p:tag name="KSO_WM_UNIT_INDEX" val="1"/>
+  <p:tag name="KSO_WM_UNIT_ID" val="custom20205081_2*a*1"/>
   <p:tag name="KSO_WM_TEMPLATE_CATEGORY" val="custom"/>
   <p:tag name="KSO_WM_TEMPLATE_INDEX" val="20205081"/>
-  <p:tag name="KSO_WM_UNIT_LAYERLEVEL" val="1_1_1"/>
+  <p:tag name="KSO_WM_UNIT_LAYERLEVEL" val="1"/>
   <p:tag name="KSO_WM_TAG_VERSION" val="1.0"/>
   <p:tag name="KSO_WM_BEAUTIFY_FLAG" val="#wm#"/>
+  <p:tag name="KSO_WM_UNIT_ISNUMDGMTITLE" val="0"/>
   <p:tag name="KSO_WM_UNIT_TEXT_FILL_FORE_SCHEMECOLOR_INDEX" val="13"/>
   <p:tag name="KSO_WM_UNIT_TEXT_FILL_TYPE" val="1"/>
   <p:tag name="KSO_WM_UNIT_USESOURCEFORMAT_APPLY" val="1"/>
@@ -8812,7 +9199,7 @@
   <p:tag name="KSO_WM_TEMPLATE_INDEX" val="20205081"/>
   <p:tag name="KSO_WM_UNIT_LAYERLEVEL" val="1_1_1"/>
   <p:tag name="KSO_WM_TAG_VERSION" val="1.0"/>
-  <p:tag name="KSO_WM_BEAUTIFY_FLAG" val="#wm#"/>
+  <p:tag name="KSO_WM_BEAUTIFY_FLAG" val=""/>
   <p:tag name="KSO_WM_UNIT_SHOW_EDIT_AREA_INDICATION" val="1"/>
   <p:tag name="KSO_WM_UNIT_TEXT_FILL_FORE_SCHEMECOLOR_INDEX" val="13"/>
   <p:tag name="KSO_WM_UNIT_TEXT_FILL_TYPE" val="1"/>
@@ -8828,13 +9215,13 @@
   <p:tag name="KSO_WM_UNIT_DIAGRAM_ISREFERUNIT" val="0"/>
   <p:tag name="KSO_WM_DIAGRAM_GROUP_CODE" val="l1-1"/>
   <p:tag name="KSO_WM_UNIT_TYPE" val="l_h_i"/>
-  <p:tag name="KSO_WM_UNIT_INDEX" val="1_2_1"/>
-  <p:tag name="KSO_WM_UNIT_ID" val="custom20205081_2*l_h_i*1_2_1"/>
+  <p:tag name="KSO_WM_UNIT_INDEX" val="1_1_1"/>
+  <p:tag name="KSO_WM_UNIT_ID" val="custom20205081_2*l_h_i*1_1_1"/>
   <p:tag name="KSO_WM_TEMPLATE_CATEGORY" val="custom"/>
   <p:tag name="KSO_WM_TEMPLATE_INDEX" val="20205081"/>
   <p:tag name="KSO_WM_UNIT_LAYERLEVEL" val="1_1_1"/>
   <p:tag name="KSO_WM_TAG_VERSION" val="1.0"/>
-  <p:tag name="KSO_WM_BEAUTIFY_FLAG" val="#wm#"/>
+  <p:tag name="KSO_WM_BEAUTIFY_FLAG" val=""/>
   <p:tag name="KSO_WM_UNIT_TEXT_FILL_FORE_SCHEMECOLOR_INDEX" val="13"/>
   <p:tag name="KSO_WM_UNIT_TEXT_FILL_TYPE" val="1"/>
   <p:tag name="KSO_WM_UNIT_USESOURCEFORMAT_APPLY" val="1"/>
@@ -8843,27 +9230,23 @@
 
 <file path=ppt/tags/tag93.xml><?xml version="1.0" encoding="utf-8"?>
 <p:tagLst xmlns:p="http://schemas.openxmlformats.org/presentationml/2006/main">
-  <p:tag name="KSO_WM_UNIT_ISCONTENTSTITLE" val="0"/>
-  <p:tag name="KSO_WM_UNIT_PRESET_TEXT" val="单击输入章节标题......"/>
-  <p:tag name="KSO_WM_UNIT_NOCLEAR" val="0"/>
-  <p:tag name="KSO_WM_UNIT_VALUE" val="15"/>
-  <p:tag name="KSO_WM_UNIT_HIGHLIGHT" val="0"/>
-  <p:tag name="KSO_WM_UNIT_COMPATIBLE" val="0"/>
-  <p:tag name="KSO_WM_UNIT_DIAGRAM_ISNUMVISUAL" val="0"/>
-  <p:tag name="KSO_WM_UNIT_DIAGRAM_ISREFERUNIT" val="0"/>
+  <p:tag name="KSO_WM_SLIDE_ID" val="custom20205081_2"/>
+  <p:tag name="KSO_WM_TEMPLATE_SUBCATEGORY" val="19"/>
+  <p:tag name="KSO_WM_TEMPLATE_MASTER_TYPE" val="0"/>
+  <p:tag name="KSO_WM_TEMPLATE_COLOR_TYPE" val="1"/>
+  <p:tag name="KSO_WM_SLIDE_TYPE" val="contents"/>
+  <p:tag name="KSO_WM_SLIDE_SUBTYPE" val="diag"/>
+  <p:tag name="KSO_WM_SLIDE_ITEM_CNT" val="2"/>
+  <p:tag name="KSO_WM_SLIDE_INDEX" val="2"/>
   <p:tag name="KSO_WM_DIAGRAM_GROUP_CODE" val="l1-1"/>
-  <p:tag name="KSO_WM_UNIT_TYPE" val="l_h_f"/>
-  <p:tag name="KSO_WM_UNIT_INDEX" val="1_2_1"/>
-  <p:tag name="KSO_WM_UNIT_ID" val="custom20205081_2*l_h_f*1_2_1"/>
+  <p:tag name="KSO_WM_SLIDE_DIAGTYPE" val="l"/>
+  <p:tag name="KSO_WM_TAG_VERSION" val="1.0"/>
+  <p:tag name="KSO_WM_BEAUTIFY_FLAG" val="#wm#"/>
   <p:tag name="KSO_WM_TEMPLATE_CATEGORY" val="custom"/>
   <p:tag name="KSO_WM_TEMPLATE_INDEX" val="20205081"/>
-  <p:tag name="KSO_WM_UNIT_LAYERLEVEL" val="1_1_1"/>
-  <p:tag name="KSO_WM_TAG_VERSION" val="1.0"/>
-  <p:tag name="KSO_WM_BEAUTIFY_FLAG" val="#wm#"/>
+  <p:tag name="KSO_WM_SLIDE_LAYOUT" val="a_b_l"/>
+  <p:tag name="KSO_WM_SLIDE_LAYOUT_CNT" val="1_1_1"/>
   <p:tag name="KSO_WM_UNIT_SHOW_EDIT_AREA_INDICATION" val="1"/>
-  <p:tag name="KSO_WM_UNIT_TEXT_FILL_FORE_SCHEMECOLOR_INDEX" val="13"/>
-  <p:tag name="KSO_WM_UNIT_TEXT_FILL_TYPE" val="1"/>
-  <p:tag name="KSO_WM_UNIT_USESOURCEFORMAT_APPLY" val="1"/>
 </p:tagLst>
 </file>
 
@@ -8895,54 +9278,6 @@
 
 <file path=ppt/tags/tag95.xml><?xml version="1.0" encoding="utf-8"?>
 <p:tagLst xmlns:p="http://schemas.openxmlformats.org/presentationml/2006/main">
-  <p:tag name="KSO_WM_SLIDE_ID" val="custom20205081_2"/>
-  <p:tag name="KSO_WM_TEMPLATE_SUBCATEGORY" val="19"/>
-  <p:tag name="KSO_WM_TEMPLATE_MASTER_TYPE" val="0"/>
-  <p:tag name="KSO_WM_TEMPLATE_COLOR_TYPE" val="1"/>
-  <p:tag name="KSO_WM_SLIDE_TYPE" val="contents"/>
-  <p:tag name="KSO_WM_SLIDE_SUBTYPE" val="diag"/>
-  <p:tag name="KSO_WM_SLIDE_ITEM_CNT" val="2"/>
-  <p:tag name="KSO_WM_SLIDE_INDEX" val="2"/>
-  <p:tag name="KSO_WM_DIAGRAM_GROUP_CODE" val="l1-1"/>
-  <p:tag name="KSO_WM_SLIDE_DIAGTYPE" val="l"/>
-  <p:tag name="KSO_WM_TAG_VERSION" val="1.0"/>
-  <p:tag name="KSO_WM_BEAUTIFY_FLAG" val="#wm#"/>
-  <p:tag name="KSO_WM_TEMPLATE_CATEGORY" val="custom"/>
-  <p:tag name="KSO_WM_TEMPLATE_INDEX" val="20205081"/>
-  <p:tag name="KSO_WM_SLIDE_LAYOUT" val="a_b_l"/>
-  <p:tag name="KSO_WM_SLIDE_LAYOUT_CNT" val="1_1_1"/>
-  <p:tag name="KSO_WM_UNIT_SHOW_EDIT_AREA_INDICATION" val="1"/>
-</p:tagLst>
-</file>
-
-<file path=ppt/tags/tag96.xml><?xml version="1.0" encoding="utf-8"?>
-<p:tagLst xmlns:p="http://schemas.openxmlformats.org/presentationml/2006/main">
-  <p:tag name="KSO_WM_UNIT_ISCONTENTSTITLE" val="1"/>
-  <p:tag name="KSO_WM_UNIT_PRESET_TEXT" val="目录"/>
-  <p:tag name="KSO_WM_UNIT_NOCLEAR" val="1"/>
-  <p:tag name="KSO_WM_UNIT_VALUE" val="2"/>
-  <p:tag name="KSO_WM_UNIT_HIGHLIGHT" val="0"/>
-  <p:tag name="KSO_WM_UNIT_COMPATIBLE" val="0"/>
-  <p:tag name="KSO_WM_UNIT_DIAGRAM_ISNUMVISUAL" val="0"/>
-  <p:tag name="KSO_WM_UNIT_DIAGRAM_ISREFERUNIT" val="0"/>
-  <p:tag name="KSO_WM_DIAGRAM_GROUP_CODE" val="l1-1"/>
-  <p:tag name="KSO_WM_UNIT_TYPE" val="a"/>
-  <p:tag name="KSO_WM_UNIT_INDEX" val="1"/>
-  <p:tag name="KSO_WM_UNIT_ID" val="custom20205081_2*a*1"/>
-  <p:tag name="KSO_WM_TEMPLATE_CATEGORY" val="custom"/>
-  <p:tag name="KSO_WM_TEMPLATE_INDEX" val="20205081"/>
-  <p:tag name="KSO_WM_UNIT_LAYERLEVEL" val="1"/>
-  <p:tag name="KSO_WM_TAG_VERSION" val="1.0"/>
-  <p:tag name="KSO_WM_BEAUTIFY_FLAG" val="#wm#"/>
-  <p:tag name="KSO_WM_UNIT_ISNUMDGMTITLE" val="0"/>
-  <p:tag name="KSO_WM_UNIT_TEXT_FILL_FORE_SCHEMECOLOR_INDEX" val="13"/>
-  <p:tag name="KSO_WM_UNIT_TEXT_FILL_TYPE" val="1"/>
-  <p:tag name="KSO_WM_UNIT_USESOURCEFORMAT_APPLY" val="1"/>
-</p:tagLst>
-</file>
-
-<file path=ppt/tags/tag97.xml><?xml version="1.0" encoding="utf-8"?>
-<p:tagLst xmlns:p="http://schemas.openxmlformats.org/presentationml/2006/main">
   <p:tag name="KSO_WM_UNIT_ISCONTENTSTITLE" val="0"/>
   <p:tag name="KSO_WM_UNIT_PRESET_TEXT" val="单击输入章节标题......"/>
   <p:tag name="KSO_WM_UNIT_NOCLEAR" val="0"/>
@@ -8967,7 +9302,7 @@
 </p:tagLst>
 </file>
 
-<file path=ppt/tags/tag98.xml><?xml version="1.0" encoding="utf-8"?>
+<file path=ppt/tags/tag96.xml><?xml version="1.0" encoding="utf-8"?>
 <p:tagLst xmlns:p="http://schemas.openxmlformats.org/presentationml/2006/main">
   <p:tag name="KSO_WM_UNIT_HIGHLIGHT" val="0"/>
   <p:tag name="KSO_WM_UNIT_COMPATIBLE" val="0"/>
@@ -8988,7 +9323,7 @@
 </p:tagLst>
 </file>
 
-<file path=ppt/tags/tag99.xml><?xml version="1.0" encoding="utf-8"?>
+<file path=ppt/tags/tag97.xml><?xml version="1.0" encoding="utf-8"?>
 <p:tagLst xmlns:p="http://schemas.openxmlformats.org/presentationml/2006/main">
   <p:tag name="KSO_WM_SLIDE_ID" val="custom20205081_2"/>
   <p:tag name="KSO_WM_TEMPLATE_SUBCATEGORY" val="19"/>
@@ -9007,6 +9342,53 @@
   <p:tag name="KSO_WM_SLIDE_LAYOUT" val="a_b_l"/>
   <p:tag name="KSO_WM_SLIDE_LAYOUT_CNT" val="1_1_1"/>
   <p:tag name="KSO_WM_UNIT_SHOW_EDIT_AREA_INDICATION" val="1"/>
+</p:tagLst>
+</file>
+
+<file path=ppt/tags/tag98.xml><?xml version="1.0" encoding="utf-8"?>
+<p:tagLst xmlns:p="http://schemas.openxmlformats.org/presentationml/2006/main">
+  <p:tag name="KSO_WM_UNIT_HIGHLIGHT" val="0"/>
+  <p:tag name="KSO_WM_UNIT_COMPATIBLE" val="0"/>
+  <p:tag name="KSO_WM_UNIT_DIAGRAM_ISNUMVISUAL" val="0"/>
+  <p:tag name="KSO_WM_UNIT_DIAGRAM_ISREFERUNIT" val="0"/>
+  <p:tag name="KSO_WM_DIAGRAM_GROUP_CODE" val="l1-1"/>
+  <p:tag name="KSO_WM_UNIT_TYPE" val="l_h_i"/>
+  <p:tag name="KSO_WM_UNIT_INDEX" val="1_1_1"/>
+  <p:tag name="KSO_WM_UNIT_ID" val="custom20205081_2*l_h_i*1_1_1"/>
+  <p:tag name="KSO_WM_TEMPLATE_CATEGORY" val="custom"/>
+  <p:tag name="KSO_WM_TEMPLATE_INDEX" val="20205081"/>
+  <p:tag name="KSO_WM_UNIT_LAYERLEVEL" val="1_1_1"/>
+  <p:tag name="KSO_WM_TAG_VERSION" val="1.0"/>
+  <p:tag name="KSO_WM_BEAUTIFY_FLAG" val="#wm#"/>
+  <p:tag name="KSO_WM_UNIT_TEXT_FILL_FORE_SCHEMECOLOR_INDEX" val="13"/>
+  <p:tag name="KSO_WM_UNIT_TEXT_FILL_TYPE" val="1"/>
+  <p:tag name="KSO_WM_UNIT_USESOURCEFORMAT_APPLY" val="1"/>
+</p:tagLst>
+</file>
+
+<file path=ppt/tags/tag99.xml><?xml version="1.0" encoding="utf-8"?>
+<p:tagLst xmlns:p="http://schemas.openxmlformats.org/presentationml/2006/main">
+  <p:tag name="KSO_WM_UNIT_ISCONTENTSTITLE" val="0"/>
+  <p:tag name="KSO_WM_UNIT_PRESET_TEXT" val="单击输入章节标题......"/>
+  <p:tag name="KSO_WM_UNIT_NOCLEAR" val="0"/>
+  <p:tag name="KSO_WM_UNIT_VALUE" val="15"/>
+  <p:tag name="KSO_WM_UNIT_HIGHLIGHT" val="0"/>
+  <p:tag name="KSO_WM_UNIT_COMPATIBLE" val="0"/>
+  <p:tag name="KSO_WM_UNIT_DIAGRAM_ISNUMVISUAL" val="0"/>
+  <p:tag name="KSO_WM_UNIT_DIAGRAM_ISREFERUNIT" val="0"/>
+  <p:tag name="KSO_WM_DIAGRAM_GROUP_CODE" val="l1-1"/>
+  <p:tag name="KSO_WM_UNIT_TYPE" val="l_h_f"/>
+  <p:tag name="KSO_WM_UNIT_INDEX" val="1_1_1"/>
+  <p:tag name="KSO_WM_UNIT_ID" val="custom20205081_2*l_h_f*1_1_1"/>
+  <p:tag name="KSO_WM_TEMPLATE_CATEGORY" val="custom"/>
+  <p:tag name="KSO_WM_TEMPLATE_INDEX" val="20205081"/>
+  <p:tag name="KSO_WM_UNIT_LAYERLEVEL" val="1_1_1"/>
+  <p:tag name="KSO_WM_TAG_VERSION" val="1.0"/>
+  <p:tag name="KSO_WM_BEAUTIFY_FLAG" val="#wm#"/>
+  <p:tag name="KSO_WM_UNIT_SHOW_EDIT_AREA_INDICATION" val="1"/>
+  <p:tag name="KSO_WM_UNIT_TEXT_FILL_FORE_SCHEMECOLOR_INDEX" val="13"/>
+  <p:tag name="KSO_WM_UNIT_TEXT_FILL_TYPE" val="1"/>
+  <p:tag name="KSO_WM_UNIT_USESOURCEFORMAT_APPLY" val="1"/>
 </p:tagLst>
 </file>
 
